--- a/CHESS.pptx
+++ b/CHESS.pptx
@@ -35,7 +35,8 @@
     <p:sldId id="305" r:id="rId29"/>
     <p:sldId id="283" r:id="rId30"/>
     <p:sldId id="304" r:id="rId31"/>
-    <p:sldId id="279" r:id="rId32"/>
+    <p:sldId id="309" r:id="rId32"/>
+    <p:sldId id="279" r:id="rId33"/>
   </p:sldIdLst>
   <p:sldSz cx="9144000" cy="6858000" type="screen4x3"/>
   <p:notesSz cx="6858000" cy="9144000"/>
@@ -195,7 +196,7 @@
             <a:fld id="{85D105C5-178F-394E-A859-372AF9F32A87}" type="datetimeFigureOut">
               <a:rPr lang="en-GB" smtClean="0"/>
               <a:pPr/>
-              <a:t>6/14/10</a:t>
+              <a:t>6/16/10</a:t>
             </a:fld>
             <a:endParaRPr lang="en-GB"/>
           </a:p>
@@ -517,7 +518,7 @@
             <a:fld id="{85D105C5-178F-394E-A859-372AF9F32A87}" type="datetimeFigureOut">
               <a:rPr lang="en-GB" smtClean="0"/>
               <a:pPr/>
-              <a:t>6/14/10</a:t>
+              <a:t>6/16/10</a:t>
             </a:fld>
             <a:endParaRPr lang="en-GB"/>
           </a:p>
@@ -797,7 +798,7 @@
             <a:fld id="{85D105C5-178F-394E-A859-372AF9F32A87}" type="datetimeFigureOut">
               <a:rPr lang="en-GB" smtClean="0"/>
               <a:pPr/>
-              <a:t>6/14/10</a:t>
+              <a:t>6/16/10</a:t>
             </a:fld>
             <a:endParaRPr lang="en-GB"/>
           </a:p>
@@ -1057,7 +1058,7 @@
             <a:fld id="{85D105C5-178F-394E-A859-372AF9F32A87}" type="datetimeFigureOut">
               <a:rPr lang="en-GB" smtClean="0"/>
               <a:pPr/>
-              <a:t>6/14/10</a:t>
+              <a:t>6/16/10</a:t>
             </a:fld>
             <a:endParaRPr lang="en-GB"/>
           </a:p>
@@ -1232,7 +1233,7 @@
             <a:fld id="{85D105C5-178F-394E-A859-372AF9F32A87}" type="datetimeFigureOut">
               <a:rPr lang="en-GB" smtClean="0"/>
               <a:pPr/>
-              <a:t>6/14/10</a:t>
+              <a:t>6/16/10</a:t>
             </a:fld>
             <a:endParaRPr lang="en-GB"/>
           </a:p>
@@ -1412,7 +1413,7 @@
             <a:fld id="{85D105C5-178F-394E-A859-372AF9F32A87}" type="datetimeFigureOut">
               <a:rPr lang="en-GB" smtClean="0"/>
               <a:pPr/>
-              <a:t>6/14/10</a:t>
+              <a:t>6/16/10</a:t>
             </a:fld>
             <a:endParaRPr lang="en-GB"/>
           </a:p>
@@ -1654,7 +1655,7 @@
             <a:fld id="{85D105C5-178F-394E-A859-372AF9F32A87}" type="datetimeFigureOut">
               <a:rPr lang="en-GB" smtClean="0"/>
               <a:pPr/>
-              <a:t>6/14/10</a:t>
+              <a:t>6/16/10</a:t>
             </a:fld>
             <a:endParaRPr lang="en-GB"/>
           </a:p>
@@ -1840,7 +1841,7 @@
             <a:fld id="{85D105C5-178F-394E-A859-372AF9F32A87}" type="datetimeFigureOut">
               <a:rPr lang="en-GB" smtClean="0"/>
               <a:pPr/>
-              <a:t>6/14/10</a:t>
+              <a:t>6/16/10</a:t>
             </a:fld>
             <a:endParaRPr lang="en-GB"/>
           </a:p>
@@ -2093,7 +2094,7 @@
             <a:fld id="{85D105C5-178F-394E-A859-372AF9F32A87}" type="datetimeFigureOut">
               <a:rPr lang="en-GB" smtClean="0"/>
               <a:pPr/>
-              <a:t>6/14/10</a:t>
+              <a:t>6/16/10</a:t>
             </a:fld>
             <a:endParaRPr lang="en-GB"/>
           </a:p>
@@ -2346,7 +2347,7 @@
             <a:fld id="{85D105C5-178F-394E-A859-372AF9F32A87}" type="datetimeFigureOut">
               <a:rPr lang="en-GB" smtClean="0"/>
               <a:pPr/>
-              <a:t>6/14/10</a:t>
+              <a:t>6/16/10</a:t>
             </a:fld>
             <a:endParaRPr lang="en-GB"/>
           </a:p>
@@ -2501,7 +2502,7 @@
             <a:fld id="{85D105C5-178F-394E-A859-372AF9F32A87}" type="datetimeFigureOut">
               <a:rPr lang="en-GB" smtClean="0"/>
               <a:pPr/>
-              <a:t>6/14/10</a:t>
+              <a:t>6/16/10</a:t>
             </a:fld>
             <a:endParaRPr lang="en-GB"/>
           </a:p>
@@ -2792,7 +2793,7 @@
             <a:fld id="{85D105C5-178F-394E-A859-372AF9F32A87}" type="datetimeFigureOut">
               <a:rPr lang="en-GB" smtClean="0"/>
               <a:pPr/>
-              <a:t>6/14/10</a:t>
+              <a:t>6/16/10</a:t>
             </a:fld>
             <a:endParaRPr lang="en-GB"/>
           </a:p>
@@ -3223,7 +3224,7 @@
             <a:fld id="{85D105C5-178F-394E-A859-372AF9F32A87}" type="datetimeFigureOut">
               <a:rPr lang="en-GB" smtClean="0"/>
               <a:pPr/>
-              <a:t>6/14/10</a:t>
+              <a:t>6/16/10</a:t>
             </a:fld>
             <a:endParaRPr lang="en-GB"/>
           </a:p>
@@ -3348,7 +3349,7 @@
             <a:fld id="{85D105C5-178F-394E-A859-372AF9F32A87}" type="datetimeFigureOut">
               <a:rPr lang="en-GB" smtClean="0"/>
               <a:pPr/>
-              <a:t>6/14/10</a:t>
+              <a:t>6/16/10</a:t>
             </a:fld>
             <a:endParaRPr lang="en-GB"/>
           </a:p>
@@ -3505,7 +3506,7 @@
             <a:fld id="{85D105C5-178F-394E-A859-372AF9F32A87}" type="datetimeFigureOut">
               <a:rPr lang="en-GB" smtClean="0"/>
               <a:pPr/>
-              <a:t>6/14/10</a:t>
+              <a:t>6/16/10</a:t>
             </a:fld>
             <a:endParaRPr lang="en-GB"/>
           </a:p>
@@ -5514,19 +5515,7 @@
           <a:p>
             <a:r>
               <a:rPr lang="en-GB" dirty="0" smtClean="0"/>
-              <a:t>By default, around </a:t>
-            </a:r>
-            <a:r>
-              <a:rPr lang="en-GB" smtClean="0"/>
-              <a:t>any </a:t>
-            </a:r>
-            <a:r>
-              <a:rPr lang="en-GB" smtClean="0"/>
-              <a:t>synchronization </a:t>
-            </a:r>
-            <a:r>
-              <a:rPr lang="en-GB" dirty="0" smtClean="0"/>
-              <a:t>call</a:t>
+              <a:t>By default, around any synchronization call</a:t>
             </a:r>
           </a:p>
           <a:p>
@@ -5552,7 +5541,23 @@
           <a:p>
             <a:r>
               <a:rPr lang="en-GB" dirty="0" smtClean="0"/>
-              <a:t>It’s proven that, for race-free programs, this is sufficient to catch all concurrency issues</a:t>
+              <a:t>It’s proven that, for race-free programs,</a:t>
+            </a:r>
+            <a:r>
+              <a:rPr lang="en-GB" dirty="0" smtClean="0"/>
+              <a:t> </a:t>
+            </a:r>
+            <a:r>
+              <a:rPr lang="en-GB" dirty="0" smtClean="0"/>
+              <a:t>pre-empting around sync calls</a:t>
+            </a:r>
+            <a:r>
+              <a:rPr lang="en-GB" dirty="0" smtClean="0"/>
+              <a:t> is </a:t>
+            </a:r>
+            <a:r>
+              <a:rPr lang="en-GB" dirty="0" smtClean="0"/>
+              <a:t>sufficient to catch all concurrency issues</a:t>
             </a:r>
             <a:endParaRPr lang="en-GB" dirty="0"/>
           </a:p>
@@ -7039,6 +7044,73 @@
           <a:p>
             <a:r>
               <a:rPr lang="en-GB" dirty="0" smtClean="0"/>
+              <a:t>Don’t forget the feedback cards!</a:t>
+            </a:r>
+            <a:endParaRPr lang="en-GB" dirty="0"/>
+          </a:p>
+        </p:txBody>
+      </p:sp>
+      <p:sp>
+        <p:nvSpPr>
+          <p:cNvPr id="3" name="Content Placeholder 2"/>
+          <p:cNvSpPr>
+            <a:spLocks noGrp="1"/>
+          </p:cNvSpPr>
+          <p:nvPr>
+            <p:ph idx="1"/>
+          </p:nvPr>
+        </p:nvSpPr>
+        <p:spPr/>
+        <p:txBody>
+          <a:bodyPr/>
+          <a:lstStyle/>
+          <a:p>
+            <a:endParaRPr lang="en-GB"/>
+          </a:p>
+        </p:txBody>
+      </p:sp>
+    </p:spTree>
+  </p:cSld>
+  <p:clrMapOvr>
+    <a:masterClrMapping/>
+  </p:clrMapOvr>
+</p:sld>
+</file>
+
+<file path=ppt/slides/slide32.xml><?xml version="1.0" encoding="utf-8"?>
+<p:sld xmlns:a="http://schemas.openxmlformats.org/drawingml/2006/main" xmlns:r="http://schemas.openxmlformats.org/officeDocument/2006/relationships" xmlns:mc="http://schemas.openxmlformats.org/markup-compatibility/2006" xmlns:mv="urn:schemas-microsoft-com:mac:vml" xmlns:p="http://schemas.openxmlformats.org/presentationml/2006/main" mc:Ignorable="mv" mc:PreserveAttributes="mv:*">
+  <p:cSld>
+    <p:spTree>
+      <p:nvGrpSpPr>
+        <p:cNvPr id="1" name=""/>
+        <p:cNvGrpSpPr/>
+        <p:nvPr/>
+      </p:nvGrpSpPr>
+      <p:grpSpPr>
+        <a:xfrm>
+          <a:off x="0" y="0"/>
+          <a:ext cx="0" cy="0"/>
+          <a:chOff x="0" y="0"/>
+          <a:chExt cx="0" cy="0"/>
+        </a:xfrm>
+      </p:grpSpPr>
+      <p:sp>
+        <p:nvSpPr>
+          <p:cNvPr id="2" name="Title 1"/>
+          <p:cNvSpPr>
+            <a:spLocks noGrp="1"/>
+          </p:cNvSpPr>
+          <p:nvPr>
+            <p:ph type="title"/>
+          </p:nvPr>
+        </p:nvSpPr>
+        <p:spPr/>
+        <p:txBody>
+          <a:bodyPr/>
+          <a:lstStyle/>
+          <a:p>
+            <a:r>
+              <a:rPr lang="en-GB" dirty="0" smtClean="0"/>
               <a:t>A little more on data races</a:t>
             </a:r>
             <a:endParaRPr lang="en-GB" dirty="0"/>
@@ -7062,7 +7134,15 @@
           <a:p>
             <a:r>
               <a:rPr lang="en-GB" dirty="0" smtClean="0"/>
-              <a:t>To detect Would need to sample *every* memory access</a:t>
+              <a:t>To detect</a:t>
+            </a:r>
+            <a:r>
+              <a:rPr lang="en-GB" dirty="0" smtClean="0"/>
+              <a:t> would </a:t>
+            </a:r>
+            <a:r>
+              <a:rPr lang="en-GB" dirty="0" smtClean="0"/>
+              <a:t>need to sample *every* memory access</a:t>
             </a:r>
           </a:p>
           <a:p>
